--- a/slides/2016-03-29 Error Handler Slides.pptx
+++ b/slides/2016-03-29 Error Handler Slides.pptx
@@ -13,7 +13,8 @@
     <p:sldId id="261" r:id="rId7"/>
     <p:sldId id="262" r:id="rId8"/>
     <p:sldId id="263" r:id="rId9"/>
-    <p:sldId id="264" r:id="rId10"/>
+    <p:sldId id="265" r:id="rId10"/>
+    <p:sldId id="264" r:id="rId11"/>
   </p:sldIdLst>
   <p:sldSz cx="12192000" cy="6858000"/>
   <p:notesSz cx="6858000" cy="9144000"/>
@@ -112,6 +113,11 @@
       </a:defRPr>
     </a:lvl9pPr>
   </p:defaultTextStyle>
+  <p:extLst>
+    <p:ext uri="{EFAFB233-063F-42B5-8137-9DF3F51BA10A}">
+      <p15:sldGuideLst xmlns:p15="http://schemas.microsoft.com/office/powerpoint/2012/main"/>
+    </p:ext>
+  </p:extLst>
 </p:presentation>
 </file>
 
@@ -3027,6 +3033,679 @@
 </p:sld>
 </file>
 
+<file path=ppt/slides/slide10.xml><?xml version="1.0" encoding="utf-8"?>
+<p:sld xmlns:a="http://schemas.openxmlformats.org/drawingml/2006/main" xmlns:r="http://schemas.openxmlformats.org/officeDocument/2006/relationships" xmlns:p="http://schemas.openxmlformats.org/presentationml/2006/main">
+  <p:cSld>
+    <p:spTree>
+      <p:nvGrpSpPr>
+        <p:cNvPr id="1" name=""/>
+        <p:cNvGrpSpPr/>
+        <p:nvPr/>
+      </p:nvGrpSpPr>
+      <p:grpSpPr>
+        <a:xfrm>
+          <a:off x="0" y="0"/>
+          <a:ext cx="0" cy="0"/>
+          <a:chOff x="0" y="0"/>
+          <a:chExt cx="0" cy="0"/>
+        </a:xfrm>
+      </p:grpSpPr>
+      <p:sp>
+        <p:nvSpPr>
+          <p:cNvPr id="2" name="Title 1"/>
+          <p:cNvSpPr>
+            <a:spLocks noGrp="1"/>
+          </p:cNvSpPr>
+          <p:nvPr>
+            <p:ph type="title"/>
+          </p:nvPr>
+        </p:nvSpPr>
+        <p:spPr/>
+        <p:txBody>
+          <a:bodyPr/>
+          <a:lstStyle/>
+          <a:p>
+            <a:r>
+              <a:rPr lang="en-US" dirty="0" smtClean="0"/>
+              <a:t>One </a:t>
+            </a:r>
+            <a:r>
+              <a:rPr lang="en-US" dirty="0" err="1" smtClean="0"/>
+              <a:t>Errhandler</a:t>
+            </a:r>
+            <a:r>
+              <a:rPr lang="en-US" dirty="0" smtClean="0"/>
+              <a:t> to Rule Them All</a:t>
+            </a:r>
+            <a:endParaRPr lang="en-US" dirty="0"/>
+          </a:p>
+        </p:txBody>
+      </p:sp>
+      <p:sp>
+        <p:nvSpPr>
+          <p:cNvPr id="3" name="Content Placeholder 2"/>
+          <p:cNvSpPr>
+            <a:spLocks noGrp="1"/>
+          </p:cNvSpPr>
+          <p:nvPr>
+            <p:ph idx="1"/>
+          </p:nvPr>
+        </p:nvSpPr>
+        <p:spPr/>
+        <p:txBody>
+          <a:bodyPr>
+            <a:normAutofit fontScale="77500" lnSpcReduction="20000"/>
+          </a:bodyPr>
+          <a:lstStyle/>
+          <a:p>
+            <a:pPr marL="0" indent="0">
+              <a:buNone/>
+            </a:pPr>
+            <a:r>
+              <a:rPr lang="en-US" dirty="0" err="1">
+                <a:latin typeface="Andale Mono" charset="0"/>
+                <a:ea typeface="Andale Mono" charset="0"/>
+                <a:cs typeface="Andale Mono" charset="0"/>
+              </a:rPr>
+              <a:t>typedef</a:t>
+            </a:r>
+            <a:r>
+              <a:rPr lang="en-US" dirty="0">
+                <a:latin typeface="Andale Mono" charset="0"/>
+                <a:ea typeface="Andale Mono" charset="0"/>
+                <a:cs typeface="Andale Mono" charset="0"/>
+              </a:rPr>
+              <a:t> void </a:t>
+            </a:r>
+            <a:r>
+              <a:rPr lang="en-US" dirty="0" err="1" smtClean="0">
+                <a:latin typeface="Andale Mono" charset="0"/>
+                <a:ea typeface="Andale Mono" charset="0"/>
+                <a:cs typeface="Andale Mono" charset="0"/>
+              </a:rPr>
+              <a:t>MPI_Errhandler_function</a:t>
+            </a:r>
+            <a:r>
+              <a:rPr lang="en-US" dirty="0" smtClean="0">
+                <a:latin typeface="Andale Mono" charset="0"/>
+                <a:ea typeface="Andale Mono" charset="0"/>
+                <a:cs typeface="Andale Mono" charset="0"/>
+              </a:rPr>
+              <a:t>(</a:t>
+            </a:r>
+            <a:endParaRPr lang="en-US" dirty="0">
+              <a:latin typeface="Andale Mono" charset="0"/>
+              <a:ea typeface="Andale Mono" charset="0"/>
+              <a:cs typeface="Andale Mono" charset="0"/>
+            </a:endParaRPr>
+          </a:p>
+          <a:p>
+            <a:pPr marL="0" indent="0">
+              <a:buNone/>
+            </a:pPr>
+            <a:r>
+              <a:rPr lang="en-US" dirty="0" smtClean="0">
+                <a:latin typeface="Andale Mono" charset="0"/>
+                <a:ea typeface="Andale Mono" charset="0"/>
+                <a:cs typeface="Andale Mono" charset="0"/>
+              </a:rPr>
+              <a:t>	(IN)		void *		</a:t>
+            </a:r>
+            <a:r>
+              <a:rPr lang="en-US" dirty="0" smtClean="0">
+                <a:latin typeface="Andale Mono" charset="0"/>
+                <a:ea typeface="Andale Mono" charset="0"/>
+                <a:cs typeface="Andale Mono" charset="0"/>
+              </a:rPr>
+              <a:t>objects</a:t>
+            </a:r>
+            <a:r>
+              <a:rPr lang="en-US" dirty="0" smtClean="0">
+                <a:latin typeface="Andale Mono" charset="0"/>
+                <a:ea typeface="Andale Mono" charset="0"/>
+                <a:cs typeface="Andale Mono" charset="0"/>
+              </a:rPr>
+              <a:t>,</a:t>
+            </a:r>
+            <a:endParaRPr lang="en-US" dirty="0">
+              <a:latin typeface="Andale Mono" charset="0"/>
+              <a:ea typeface="Andale Mono" charset="0"/>
+              <a:cs typeface="Andale Mono" charset="0"/>
+            </a:endParaRPr>
+          </a:p>
+          <a:p>
+            <a:pPr marL="0" indent="0">
+              <a:buNone/>
+            </a:pPr>
+            <a:r>
+              <a:rPr lang="en-US" dirty="0" smtClean="0">
+                <a:latin typeface="Andale Mono" charset="0"/>
+                <a:ea typeface="Andale Mono" charset="0"/>
+                <a:cs typeface="Andale Mono" charset="0"/>
+              </a:rPr>
+              <a:t>	(IN)		</a:t>
+            </a:r>
+            <a:r>
+              <a:rPr lang="en-US" dirty="0" err="1" smtClean="0">
+                <a:latin typeface="Andale Mono" charset="0"/>
+                <a:ea typeface="Andale Mono" charset="0"/>
+                <a:cs typeface="Andale Mono" charset="0"/>
+              </a:rPr>
+              <a:t>int</a:t>
+            </a:r>
+            <a:r>
+              <a:rPr lang="en-US" dirty="0" smtClean="0">
+                <a:latin typeface="Andale Mono" charset="0"/>
+                <a:ea typeface="Andale Mono" charset="0"/>
+                <a:cs typeface="Andale Mono" charset="0"/>
+              </a:rPr>
+              <a:t>			</a:t>
+            </a:r>
+            <a:r>
+              <a:rPr lang="en-US" dirty="0" err="1" smtClean="0">
+                <a:latin typeface="Andale Mono" charset="0"/>
+                <a:ea typeface="Andale Mono" charset="0"/>
+                <a:cs typeface="Andale Mono" charset="0"/>
+              </a:rPr>
+              <a:t>num_objects</a:t>
+            </a:r>
+            <a:r>
+              <a:rPr lang="en-US" dirty="0" smtClean="0">
+                <a:latin typeface="Andale Mono" charset="0"/>
+                <a:ea typeface="Andale Mono" charset="0"/>
+                <a:cs typeface="Andale Mono" charset="0"/>
+              </a:rPr>
+              <a:t>,</a:t>
+            </a:r>
+            <a:endParaRPr lang="en-US" dirty="0">
+              <a:latin typeface="Andale Mono" charset="0"/>
+              <a:ea typeface="Andale Mono" charset="0"/>
+              <a:cs typeface="Andale Mono" charset="0"/>
+            </a:endParaRPr>
+          </a:p>
+          <a:p>
+            <a:pPr marL="0" indent="0">
+              <a:buNone/>
+            </a:pPr>
+            <a:r>
+              <a:rPr lang="en-US" dirty="0" smtClean="0">
+                <a:latin typeface="Andale Mono" charset="0"/>
+                <a:ea typeface="Andale Mono" charset="0"/>
+                <a:cs typeface="Andale Mono" charset="0"/>
+              </a:rPr>
+              <a:t>	(IN)		</a:t>
+            </a:r>
+            <a:r>
+              <a:rPr lang="en-US" dirty="0" err="1" smtClean="0">
+                <a:latin typeface="Andale Mono" charset="0"/>
+                <a:ea typeface="Andale Mono" charset="0"/>
+                <a:cs typeface="Andale Mono" charset="0"/>
+              </a:rPr>
+              <a:t>int</a:t>
+            </a:r>
+            <a:r>
+              <a:rPr lang="en-US" dirty="0" smtClean="0">
+                <a:latin typeface="Andale Mono" charset="0"/>
+                <a:ea typeface="Andale Mono" charset="0"/>
+                <a:cs typeface="Andale Mono" charset="0"/>
+              </a:rPr>
+              <a:t>/</a:t>
+            </a:r>
+            <a:r>
+              <a:rPr lang="en-US" dirty="0" err="1" smtClean="0">
+                <a:latin typeface="Andale Mono" charset="0"/>
+                <a:ea typeface="Andale Mono" charset="0"/>
+                <a:cs typeface="Andale Mono" charset="0"/>
+              </a:rPr>
+              <a:t>enum</a:t>
+            </a:r>
+            <a:r>
+              <a:rPr lang="en-US" dirty="0" smtClean="0">
+                <a:latin typeface="Andale Mono" charset="0"/>
+                <a:ea typeface="Andale Mono" charset="0"/>
+                <a:cs typeface="Andale Mono" charset="0"/>
+              </a:rPr>
+              <a:t> </a:t>
+            </a:r>
+            <a:r>
+              <a:rPr lang="en-US" dirty="0" smtClean="0">
+                <a:latin typeface="Andale Mono" charset="0"/>
+                <a:ea typeface="Andale Mono" charset="0"/>
+                <a:cs typeface="Andale Mono" charset="0"/>
+              </a:rPr>
+              <a:t>*</a:t>
+            </a:r>
+            <a:r>
+              <a:rPr lang="en-US" dirty="0" smtClean="0">
+                <a:latin typeface="Andale Mono" charset="0"/>
+                <a:ea typeface="Andale Mono" charset="0"/>
+                <a:cs typeface="Andale Mono" charset="0"/>
+              </a:rPr>
+              <a:t>		</a:t>
+            </a:r>
+            <a:r>
+              <a:rPr lang="en-US" dirty="0" err="1" smtClean="0">
+                <a:latin typeface="Andale Mono" charset="0"/>
+                <a:ea typeface="Andale Mono" charset="0"/>
+                <a:cs typeface="Andale Mono" charset="0"/>
+              </a:rPr>
+              <a:t>object_types</a:t>
+            </a:r>
+            <a:r>
+              <a:rPr lang="en-US" dirty="0" smtClean="0">
+                <a:latin typeface="Andale Mono" charset="0"/>
+                <a:ea typeface="Andale Mono" charset="0"/>
+                <a:cs typeface="Andale Mono" charset="0"/>
+              </a:rPr>
+              <a:t>,</a:t>
+            </a:r>
+            <a:endParaRPr lang="en-US" dirty="0">
+              <a:latin typeface="Andale Mono" charset="0"/>
+              <a:ea typeface="Andale Mono" charset="0"/>
+              <a:cs typeface="Andale Mono" charset="0"/>
+            </a:endParaRPr>
+          </a:p>
+          <a:p>
+            <a:pPr marL="0" indent="0">
+              <a:buNone/>
+            </a:pPr>
+            <a:r>
+              <a:rPr lang="en-US" dirty="0" smtClean="0">
+                <a:latin typeface="Andale Mono" charset="0"/>
+                <a:ea typeface="Andale Mono" charset="0"/>
+                <a:cs typeface="Andale Mono" charset="0"/>
+              </a:rPr>
+              <a:t>	(INOUT)	</a:t>
+            </a:r>
+            <a:r>
+              <a:rPr lang="en-US" dirty="0" err="1" smtClean="0">
+                <a:latin typeface="Andale Mono" charset="0"/>
+                <a:ea typeface="Andale Mono" charset="0"/>
+                <a:cs typeface="Andale Mono" charset="0"/>
+              </a:rPr>
+              <a:t>int</a:t>
+            </a:r>
+            <a:r>
+              <a:rPr lang="en-US" dirty="0" smtClean="0">
+                <a:latin typeface="Andale Mono" charset="0"/>
+                <a:ea typeface="Andale Mono" charset="0"/>
+                <a:cs typeface="Andale Mono" charset="0"/>
+              </a:rPr>
+              <a:t> *			</a:t>
+            </a:r>
+            <a:r>
+              <a:rPr lang="en-US" dirty="0" err="1" smtClean="0">
+                <a:latin typeface="Andale Mono" charset="0"/>
+                <a:ea typeface="Andale Mono" charset="0"/>
+                <a:cs typeface="Andale Mono" charset="0"/>
+              </a:rPr>
+              <a:t>errcode</a:t>
+            </a:r>
+            <a:r>
+              <a:rPr lang="en-US" dirty="0" smtClean="0">
+                <a:latin typeface="Andale Mono" charset="0"/>
+                <a:ea typeface="Andale Mono" charset="0"/>
+                <a:cs typeface="Andale Mono" charset="0"/>
+              </a:rPr>
+              <a:t>,</a:t>
+            </a:r>
+          </a:p>
+          <a:p>
+            <a:pPr marL="0" indent="0">
+              <a:buNone/>
+            </a:pPr>
+            <a:r>
+              <a:rPr lang="en-US" dirty="0" smtClean="0">
+                <a:latin typeface="Andale Mono" charset="0"/>
+                <a:ea typeface="Andale Mono" charset="0"/>
+                <a:cs typeface="Andale Mono" charset="0"/>
+              </a:rPr>
+              <a:t> </a:t>
+            </a:r>
+            <a:r>
+              <a:rPr lang="en-US" dirty="0">
+                <a:latin typeface="Andale Mono" charset="0"/>
+                <a:ea typeface="Andale Mono" charset="0"/>
+                <a:cs typeface="Andale Mono" charset="0"/>
+              </a:rPr>
+              <a:t>	</a:t>
+            </a:r>
+            <a:r>
+              <a:rPr lang="en-US" dirty="0" smtClean="0">
+                <a:latin typeface="Andale Mono" charset="0"/>
+                <a:ea typeface="Andale Mono" charset="0"/>
+                <a:cs typeface="Andale Mono" charset="0"/>
+              </a:rPr>
+              <a:t>(IN)   				</a:t>
+            </a:r>
+            <a:r>
+              <a:rPr lang="en-US" dirty="0" err="1" smtClean="0">
+                <a:latin typeface="Andale Mono" charset="0"/>
+                <a:ea typeface="Andale Mono" charset="0"/>
+                <a:cs typeface="Andale Mono" charset="0"/>
+              </a:rPr>
+              <a:t>varargs</a:t>
+            </a:r>
+            <a:r>
+              <a:rPr lang="is-IS" dirty="0" smtClean="0">
+                <a:latin typeface="Andale Mono" charset="0"/>
+                <a:ea typeface="Andale Mono" charset="0"/>
+                <a:cs typeface="Andale Mono" charset="0"/>
+              </a:rPr>
+              <a:t>…</a:t>
+            </a:r>
+            <a:r>
+              <a:rPr lang="en-US" dirty="0" smtClean="0">
+                <a:latin typeface="Andale Mono" charset="0"/>
+                <a:ea typeface="Andale Mono" charset="0"/>
+                <a:cs typeface="Andale Mono" charset="0"/>
+              </a:rPr>
+              <a:t>);</a:t>
+            </a:r>
+            <a:endParaRPr lang="en-US" dirty="0" smtClean="0">
+              <a:latin typeface="Andale Mono" charset="0"/>
+              <a:ea typeface="Andale Mono" charset="0"/>
+              <a:cs typeface="Andale Mono" charset="0"/>
+            </a:endParaRPr>
+          </a:p>
+          <a:p>
+            <a:pPr marL="0" indent="0">
+              <a:buNone/>
+            </a:pPr>
+            <a:endParaRPr lang="en-US" dirty="0">
+              <a:latin typeface="Andale Mono" charset="0"/>
+              <a:ea typeface="Andale Mono" charset="0"/>
+              <a:cs typeface="Andale Mono" charset="0"/>
+            </a:endParaRPr>
+          </a:p>
+          <a:p>
+            <a:pPr marL="0" indent="0">
+              <a:buNone/>
+            </a:pPr>
+            <a:r>
+              <a:rPr lang="en-US" dirty="0" err="1" smtClean="0">
+                <a:latin typeface="Andale Mono" charset="0"/>
+                <a:ea typeface="Andale Mono" charset="0"/>
+                <a:cs typeface="Andale Mono" charset="0"/>
+              </a:rPr>
+              <a:t>int</a:t>
+            </a:r>
+            <a:r>
+              <a:rPr lang="en-US" dirty="0" smtClean="0">
+                <a:latin typeface="Andale Mono" charset="0"/>
+                <a:ea typeface="Andale Mono" charset="0"/>
+                <a:cs typeface="Andale Mono" charset="0"/>
+              </a:rPr>
+              <a:t> </a:t>
+            </a:r>
+            <a:r>
+              <a:rPr lang="en-US" dirty="0" err="1" smtClean="0">
+                <a:latin typeface="Andale Mono" charset="0"/>
+                <a:ea typeface="Andale Mono" charset="0"/>
+                <a:cs typeface="Andale Mono" charset="0"/>
+              </a:rPr>
+              <a:t>MPI_XXX_set_errhandler</a:t>
+            </a:r>
+            <a:r>
+              <a:rPr lang="en-US" dirty="0" smtClean="0">
+                <a:latin typeface="Andale Mono" charset="0"/>
+                <a:ea typeface="Andale Mono" charset="0"/>
+                <a:cs typeface="Andale Mono" charset="0"/>
+              </a:rPr>
+              <a:t>(</a:t>
+            </a:r>
+          </a:p>
+          <a:p>
+            <a:pPr marL="0" indent="0">
+              <a:buNone/>
+            </a:pPr>
+            <a:r>
+              <a:rPr lang="en-US" dirty="0">
+                <a:latin typeface="Andale Mono" charset="0"/>
+                <a:ea typeface="Andale Mono" charset="0"/>
+                <a:cs typeface="Andale Mono" charset="0"/>
+              </a:rPr>
+              <a:t>	</a:t>
+            </a:r>
+            <a:r>
+              <a:rPr lang="en-US" dirty="0" smtClean="0">
+                <a:latin typeface="Andale Mono" charset="0"/>
+                <a:ea typeface="Andale Mono" charset="0"/>
+                <a:cs typeface="Andale Mono" charset="0"/>
+              </a:rPr>
+              <a:t>(IN)		MPI_XXX		 object,</a:t>
+            </a:r>
+          </a:p>
+          <a:p>
+            <a:pPr marL="0" indent="0">
+              <a:buNone/>
+            </a:pPr>
+            <a:r>
+              <a:rPr lang="en-US" dirty="0">
+                <a:latin typeface="Andale Mono" charset="0"/>
+                <a:ea typeface="Andale Mono" charset="0"/>
+                <a:cs typeface="Andale Mono" charset="0"/>
+              </a:rPr>
+              <a:t>	</a:t>
+            </a:r>
+            <a:r>
+              <a:rPr lang="en-US" dirty="0" smtClean="0">
+                <a:latin typeface="Andale Mono" charset="0"/>
+                <a:ea typeface="Andale Mono" charset="0"/>
+                <a:cs typeface="Andale Mono" charset="0"/>
+              </a:rPr>
+              <a:t>(IN)		</a:t>
+            </a:r>
+            <a:r>
+              <a:rPr lang="en-US" dirty="0" err="1" smtClean="0">
+                <a:latin typeface="Andale Mono" charset="0"/>
+                <a:ea typeface="Andale Mono" charset="0"/>
+                <a:cs typeface="Andale Mono" charset="0"/>
+              </a:rPr>
+              <a:t>int</a:t>
+            </a:r>
+            <a:r>
+              <a:rPr lang="en-US" dirty="0" smtClean="0">
+                <a:latin typeface="Andale Mono" charset="0"/>
+                <a:ea typeface="Andale Mono" charset="0"/>
+                <a:cs typeface="Andale Mono" charset="0"/>
+              </a:rPr>
+              <a:t> *		 	 </a:t>
+            </a:r>
+            <a:r>
+              <a:rPr lang="en-US" dirty="0" err="1" smtClean="0">
+                <a:latin typeface="Andale Mono" charset="0"/>
+                <a:ea typeface="Andale Mono" charset="0"/>
+                <a:cs typeface="Andale Mono" charset="0"/>
+              </a:rPr>
+              <a:t>error_classes</a:t>
+            </a:r>
+            <a:r>
+              <a:rPr lang="en-US" dirty="0" smtClean="0">
+                <a:latin typeface="Andale Mono" charset="0"/>
+                <a:ea typeface="Andale Mono" charset="0"/>
+                <a:cs typeface="Andale Mono" charset="0"/>
+              </a:rPr>
+              <a:t>,</a:t>
+            </a:r>
+          </a:p>
+          <a:p>
+            <a:pPr marL="0" indent="0">
+              <a:buNone/>
+            </a:pPr>
+            <a:r>
+              <a:rPr lang="en-US" dirty="0">
+                <a:latin typeface="Andale Mono" charset="0"/>
+                <a:ea typeface="Andale Mono" charset="0"/>
+                <a:cs typeface="Andale Mono" charset="0"/>
+              </a:rPr>
+              <a:t>	</a:t>
+            </a:r>
+            <a:r>
+              <a:rPr lang="en-US" dirty="0" smtClean="0">
+                <a:latin typeface="Andale Mono" charset="0"/>
+                <a:ea typeface="Andale Mono" charset="0"/>
+                <a:cs typeface="Andale Mono" charset="0"/>
+              </a:rPr>
+              <a:t>(IN)		</a:t>
+            </a:r>
+            <a:r>
+              <a:rPr lang="en-US" dirty="0" err="1" smtClean="0">
+                <a:latin typeface="Andale Mono" charset="0"/>
+                <a:ea typeface="Andale Mono" charset="0"/>
+                <a:cs typeface="Andale Mono" charset="0"/>
+              </a:rPr>
+              <a:t>int</a:t>
+            </a:r>
+            <a:r>
+              <a:rPr lang="en-US" dirty="0" smtClean="0">
+                <a:latin typeface="Andale Mono" charset="0"/>
+                <a:ea typeface="Andale Mono" charset="0"/>
+                <a:cs typeface="Andale Mono" charset="0"/>
+              </a:rPr>
+              <a:t>			 </a:t>
+            </a:r>
+            <a:r>
+              <a:rPr lang="en-US" dirty="0" err="1" smtClean="0">
+                <a:latin typeface="Andale Mono" charset="0"/>
+                <a:ea typeface="Andale Mono" charset="0"/>
+                <a:cs typeface="Andale Mono" charset="0"/>
+              </a:rPr>
+              <a:t>num_error_classes</a:t>
+            </a:r>
+            <a:r>
+              <a:rPr lang="en-US" dirty="0" smtClean="0">
+                <a:latin typeface="Andale Mono" charset="0"/>
+                <a:ea typeface="Andale Mono" charset="0"/>
+                <a:cs typeface="Andale Mono" charset="0"/>
+              </a:rPr>
+              <a:t>,</a:t>
+            </a:r>
+          </a:p>
+          <a:p>
+            <a:pPr marL="0" indent="0">
+              <a:buNone/>
+            </a:pPr>
+            <a:r>
+              <a:rPr lang="en-US" dirty="0">
+                <a:latin typeface="Andale Mono" charset="0"/>
+                <a:ea typeface="Andale Mono" charset="0"/>
+                <a:cs typeface="Andale Mono" charset="0"/>
+              </a:rPr>
+              <a:t>	</a:t>
+            </a:r>
+            <a:r>
+              <a:rPr lang="en-US" dirty="0" smtClean="0">
+                <a:latin typeface="Andale Mono" charset="0"/>
+                <a:ea typeface="Andale Mono" charset="0"/>
+                <a:cs typeface="Andale Mono" charset="0"/>
+              </a:rPr>
+              <a:t>(IN)		</a:t>
+            </a:r>
+            <a:r>
+              <a:rPr lang="en-US" dirty="0" err="1" smtClean="0">
+                <a:latin typeface="Andale Mono" charset="0"/>
+                <a:ea typeface="Andale Mono" charset="0"/>
+                <a:cs typeface="Andale Mono" charset="0"/>
+              </a:rPr>
+              <a:t>MPI_Errhandler</a:t>
+            </a:r>
+            <a:r>
+              <a:rPr lang="en-US" dirty="0">
+                <a:latin typeface="Andale Mono" charset="0"/>
+                <a:ea typeface="Andale Mono" charset="0"/>
+                <a:cs typeface="Andale Mono" charset="0"/>
+              </a:rPr>
+              <a:t>	</a:t>
+            </a:r>
+            <a:r>
+              <a:rPr lang="en-US" dirty="0" smtClean="0">
+                <a:latin typeface="Andale Mono" charset="0"/>
+                <a:ea typeface="Andale Mono" charset="0"/>
+                <a:cs typeface="Andale Mono" charset="0"/>
+              </a:rPr>
+              <a:t> </a:t>
+            </a:r>
+            <a:r>
+              <a:rPr lang="en-US" dirty="0" err="1" smtClean="0">
+                <a:latin typeface="Andale Mono" charset="0"/>
+                <a:ea typeface="Andale Mono" charset="0"/>
+                <a:cs typeface="Andale Mono" charset="0"/>
+              </a:rPr>
+              <a:t>errhandler</a:t>
+            </a:r>
+            <a:r>
+              <a:rPr lang="en-US" dirty="0" smtClean="0">
+                <a:latin typeface="Andale Mono" charset="0"/>
+                <a:ea typeface="Andale Mono" charset="0"/>
+                <a:cs typeface="Andale Mono" charset="0"/>
+              </a:rPr>
+              <a:t>);</a:t>
+            </a:r>
+          </a:p>
+        </p:txBody>
+      </p:sp>
+      <p:sp>
+        <p:nvSpPr>
+          <p:cNvPr id="4" name="Rectangle 3"/>
+          <p:cNvSpPr/>
+          <p:nvPr/>
+        </p:nvSpPr>
+        <p:spPr>
+          <a:xfrm>
+            <a:off x="9068586" y="471340"/>
+            <a:ext cx="2620651" cy="1102936"/>
+          </a:xfrm>
+          <a:prstGeom prst="rect">
+            <a:avLst/>
+          </a:prstGeom>
+        </p:spPr>
+        <p:style>
+          <a:lnRef idx="2">
+            <a:schemeClr val="accent2">
+              <a:shade val="50000"/>
+            </a:schemeClr>
+          </a:lnRef>
+          <a:fillRef idx="1">
+            <a:schemeClr val="accent2"/>
+          </a:fillRef>
+          <a:effectRef idx="0">
+            <a:schemeClr val="accent2"/>
+          </a:effectRef>
+          <a:fontRef idx="minor">
+            <a:schemeClr val="lt1"/>
+          </a:fontRef>
+        </p:style>
+        <p:txBody>
+          <a:bodyPr rtlCol="0" anchor="ctr"/>
+          <a:lstStyle/>
+          <a:p>
+            <a:pPr algn="ctr"/>
+            <a:r>
+              <a:rPr lang="en-US" dirty="0" smtClean="0"/>
+              <a:t>Need a way to get a communicator from a request to be able to match </a:t>
+            </a:r>
+            <a:r>
+              <a:rPr lang="en-US" smtClean="0"/>
+              <a:t>up objects.</a:t>
+            </a:r>
+            <a:endParaRPr lang="en-US"/>
+          </a:p>
+        </p:txBody>
+      </p:sp>
+    </p:spTree>
+    <p:extLst>
+      <p:ext uri="{BB962C8B-B14F-4D97-AF65-F5344CB8AC3E}">
+        <p14:creationId xmlns:p14="http://schemas.microsoft.com/office/powerpoint/2010/main" val="1529965212"/>
+      </p:ext>
+    </p:extLst>
+  </p:cSld>
+  <p:clrMapOvr>
+    <a:masterClrMapping/>
+  </p:clrMapOvr>
+</p:sld>
+</file>
+
 <file path=ppt/slides/slide2.xml><?xml version="1.0" encoding="utf-8"?>
 <p:sld xmlns:a="http://schemas.openxmlformats.org/drawingml/2006/main" xmlns:r="http://schemas.openxmlformats.org/officeDocument/2006/relationships" xmlns:p="http://schemas.openxmlformats.org/presentationml/2006/main">
   <p:cSld>
@@ -3468,32 +4147,67 @@
             <a:pPr lvl="1"/>
             <a:r>
               <a:rPr lang="en-US" dirty="0" smtClean="0"/>
-              <a:t>Probably user’s responsibility to </a:t>
-            </a:r>
-            <a:r>
-              <a:rPr lang="en-US" dirty="0" smtClean="0"/>
-              <a:t>arbitrate</a:t>
-            </a:r>
-          </a:p>
-          <a:p>
-            <a:r>
-              <a:rPr lang="en-US" dirty="0" smtClean="0"/>
-              <a:t>When combined with previous selecting error classes for an error handler, this becomes more necessary</a:t>
-            </a:r>
+              <a:t>Probably user’s responsibility to arbitrate</a:t>
+            </a:r>
+          </a:p>
+          <a:p>
+            <a:r>
+              <a:rPr lang="en-US" dirty="0" smtClean="0"/>
+              <a:t>When combined with previous selecting error classes for an error handler, this becomes more </a:t>
+            </a:r>
+            <a:r>
+              <a:rPr lang="en-US" dirty="0" smtClean="0"/>
+              <a:t>necessary</a:t>
+            </a:r>
+          </a:p>
+          <a:p>
+            <a:pPr lvl="1"/>
+            <a:r>
+              <a:rPr lang="en-US" dirty="0" smtClean="0">
+                <a:solidFill>
+                  <a:srgbClr val="FF0000"/>
+                </a:solidFill>
+              </a:rPr>
+              <a:t>If we allow the user to change the error class, we might have to trigger a second error handler.</a:t>
+            </a:r>
+            <a:endParaRPr lang="en-US" dirty="0" smtClean="0">
+              <a:solidFill>
+                <a:srgbClr val="FF0000"/>
+              </a:solidFill>
+            </a:endParaRPr>
           </a:p>
           <a:p>
             <a:r>
               <a:rPr lang="en-US" dirty="0" smtClean="0"/>
               <a:t>Should we only allow a single error handler for a particular error class?</a:t>
             </a:r>
-            <a:endParaRPr lang="en-US" dirty="0" smtClean="0"/>
-          </a:p>
-          <a:p>
-            <a:r>
-              <a:rPr lang="en-US" dirty="0" smtClean="0"/>
-              <a:t>This might be completely implementable in PMPI</a:t>
-            </a:r>
-            <a:endParaRPr lang="en-US" dirty="0"/>
+          </a:p>
+          <a:p>
+            <a:pPr lvl="1"/>
+            <a:r>
+              <a:rPr lang="en-US" dirty="0" smtClean="0"/>
+              <a:t>This might be completely implementable in </a:t>
+            </a:r>
+            <a:r>
+              <a:rPr lang="en-US" dirty="0" smtClean="0"/>
+              <a:t>PMPI</a:t>
+            </a:r>
+          </a:p>
+          <a:p>
+            <a:pPr lvl="1"/>
+            <a:r>
+              <a:rPr lang="en-US" dirty="0" smtClean="0">
+                <a:solidFill>
+                  <a:srgbClr val="FF0000"/>
+                </a:solidFill>
+              </a:rPr>
+              <a:t>This part is probably not worth pursuing</a:t>
+            </a:r>
+            <a:endParaRPr lang="en-US" dirty="0">
+              <a:solidFill>
+                <a:srgbClr val="FF0000"/>
+              </a:solidFill>
+            </a:endParaRPr>
           </a:p>
         </p:txBody>
       </p:sp>
@@ -3583,9 +4297,27 @@
           <a:p>
             <a:r>
               <a:rPr lang="en-US" dirty="0" smtClean="0"/>
-              <a:t>Can you finalize?</a:t>
-            </a:r>
-            <a:endParaRPr lang="en-US" dirty="0"/>
+              <a:t>Can you finalize</a:t>
+            </a:r>
+            <a:r>
+              <a:rPr lang="en-US" dirty="0" smtClean="0"/>
+              <a:t>?</a:t>
+            </a:r>
+          </a:p>
+          <a:p>
+            <a:r>
+              <a:rPr lang="en-US" dirty="0" smtClean="0">
+                <a:solidFill>
+                  <a:srgbClr val="FF0000"/>
+                </a:solidFill>
+              </a:rPr>
+              <a:t>Probably want to allow everything, but point out that error handlers are local and the user is responsible for matching.</a:t>
+            </a:r>
+            <a:endParaRPr lang="en-US" dirty="0">
+              <a:solidFill>
+                <a:srgbClr val="FF0000"/>
+              </a:solidFill>
+            </a:endParaRPr>
           </a:p>
         </p:txBody>
       </p:sp>
@@ -3659,29 +4391,19 @@
           <a:p>
             <a:r>
               <a:rPr lang="en-US" dirty="0" smtClean="0"/>
-              <a:t>Allow the error handler to </a:t>
-            </a:r>
-            <a:r>
-              <a:rPr lang="en-US" dirty="0" smtClean="0"/>
-              <a:t>long </a:t>
-            </a:r>
-            <a:r>
-              <a:rPr lang="en-US" dirty="0" smtClean="0"/>
-              <a:t>jump to a location after the function is </a:t>
-            </a:r>
-            <a:r>
-              <a:rPr lang="en-US" dirty="0" smtClean="0"/>
-              <a:t>completed</a:t>
-            </a:r>
-          </a:p>
-          <a:p>
-            <a:r>
-              <a:rPr lang="en-US" dirty="0" smtClean="0"/>
-              <a:t>How </a:t>
-            </a:r>
-            <a:r>
-              <a:rPr lang="en-US" dirty="0" smtClean="0"/>
-              <a:t>do we handle this if there are multiple threads</a:t>
+              <a:t>Allow the error handler to long jump to a location after the function is completed</a:t>
+            </a:r>
+          </a:p>
+          <a:p>
+            <a:r>
+              <a:rPr lang="en-US" dirty="0" smtClean="0"/>
+              <a:t>How do we handle this if there are multiple threads?</a:t>
+            </a:r>
+          </a:p>
+          <a:p>
+            <a:r>
+              <a:rPr lang="en-US" dirty="0" smtClean="0"/>
+              <a:t>What if there are multiple error handlers that could get triggered</a:t>
             </a:r>
             <a:r>
               <a:rPr lang="en-US" dirty="0" smtClean="0"/>
@@ -3689,11 +4411,20 @@
             </a:r>
           </a:p>
           <a:p>
-            <a:r>
-              <a:rPr lang="en-US" dirty="0" smtClean="0"/>
-              <a:t>What if there are multiple error handlers that could get triggered?</a:t>
-            </a:r>
-            <a:endParaRPr lang="en-US" dirty="0" smtClean="0"/>
+            <a:pPr lvl="1"/>
+            <a:r>
+              <a:rPr lang="en-US" dirty="0" smtClean="0">
+                <a:solidFill>
+                  <a:srgbClr val="FF0000"/>
+                </a:solidFill>
+              </a:rPr>
+              <a:t>Probably user’s responsibility</a:t>
+            </a:r>
+            <a:endParaRPr lang="en-US" dirty="0" smtClean="0">
+              <a:solidFill>
+                <a:srgbClr val="FF0000"/>
+              </a:solidFill>
+            </a:endParaRPr>
           </a:p>
           <a:p>
             <a:r>
@@ -3705,15 +4436,7 @@
             <a:pPr lvl="1"/>
             <a:r>
               <a:rPr lang="en-US" dirty="0" smtClean="0"/>
-              <a:t>In practice, we don’t think implementations do this, but the Standard doesn’t prohibit it. We </a:t>
-            </a:r>
-            <a:r>
-              <a:rPr lang="en-US" dirty="0" smtClean="0"/>
-              <a:t>should clarify </a:t>
-            </a:r>
-            <a:r>
-              <a:rPr lang="en-US" dirty="0" smtClean="0"/>
-              <a:t>this.</a:t>
+              <a:t>In practice, we don’t think implementations do this, but the Standard doesn’t prohibit it. We should clarify this.</a:t>
             </a:r>
             <a:endParaRPr lang="en-US" dirty="0"/>
           </a:p>
@@ -3905,511 +4628,70 @@
           <a:p>
             <a:r>
               <a:rPr lang="en-US" dirty="0" smtClean="0"/>
-              <a:t>One </a:t>
+              <a:t>Provider Error Handler with Operation Context</a:t>
+            </a:r>
+            <a:endParaRPr lang="en-US" dirty="0"/>
+          </a:p>
+        </p:txBody>
+      </p:sp>
+      <p:sp>
+        <p:nvSpPr>
+          <p:cNvPr id="3" name="Content Placeholder 2"/>
+          <p:cNvSpPr>
+            <a:spLocks noGrp="1"/>
+          </p:cNvSpPr>
+          <p:nvPr>
+            <p:ph idx="1"/>
+          </p:nvPr>
+        </p:nvSpPr>
+        <p:spPr/>
+        <p:txBody>
+          <a:bodyPr/>
+          <a:lstStyle/>
+          <a:p>
+            <a:r>
+              <a:rPr lang="en-US" dirty="0" smtClean="0"/>
+              <a:t>Pass in operation arguments with something like </a:t>
             </a:r>
             <a:r>
               <a:rPr lang="en-US" dirty="0" err="1" smtClean="0"/>
-              <a:t>Errhandler</a:t>
-            </a:r>
-            <a:r>
-              <a:rPr lang="en-US" dirty="0" smtClean="0"/>
-              <a:t> to Rule Them All</a:t>
+              <a:t>varargs</a:t>
+            </a:r>
+            <a:endParaRPr lang="en-US" dirty="0" smtClean="0"/>
+          </a:p>
+          <a:p>
+            <a:r>
+              <a:rPr lang="en-US" dirty="0" smtClean="0"/>
+              <a:t>Can re-run the operation after fixing the problem</a:t>
+            </a:r>
+          </a:p>
+          <a:p>
+            <a:r>
+              <a:rPr lang="en-US" dirty="0" smtClean="0"/>
+              <a:t>Could be tricky to use, but would be very powerful for some recovery:</a:t>
+            </a:r>
+          </a:p>
+          <a:p>
+            <a:pPr lvl="1"/>
+            <a:r>
+              <a:rPr lang="en-US" dirty="0" smtClean="0"/>
+              <a:t>Catastrophic/non-catastrophic</a:t>
+            </a:r>
+          </a:p>
+          <a:p>
+            <a:pPr lvl="1"/>
+            <a:r>
+              <a:rPr lang="en-US" dirty="0" smtClean="0"/>
+              <a:t>Message logging</a:t>
             </a:r>
             <a:endParaRPr lang="en-US" dirty="0"/>
-          </a:p>
-        </p:txBody>
-      </p:sp>
-      <p:sp>
-        <p:nvSpPr>
-          <p:cNvPr id="3" name="Content Placeholder 2"/>
-          <p:cNvSpPr>
-            <a:spLocks noGrp="1"/>
-          </p:cNvSpPr>
-          <p:nvPr>
-            <p:ph idx="1"/>
-          </p:nvPr>
-        </p:nvSpPr>
-        <p:spPr/>
-        <p:txBody>
-          <a:bodyPr>
-            <a:normAutofit fontScale="77500" lnSpcReduction="20000"/>
-          </a:bodyPr>
-          <a:lstStyle/>
-          <a:p>
-            <a:pPr marL="0" indent="0">
-              <a:buNone/>
-            </a:pPr>
-            <a:r>
-              <a:rPr lang="en-US" dirty="0" err="1">
-                <a:latin typeface="Andale Mono" charset="0"/>
-                <a:ea typeface="Andale Mono" charset="0"/>
-                <a:cs typeface="Andale Mono" charset="0"/>
-              </a:rPr>
-              <a:t>typedef</a:t>
-            </a:r>
-            <a:r>
-              <a:rPr lang="en-US" dirty="0">
-                <a:latin typeface="Andale Mono" charset="0"/>
-                <a:ea typeface="Andale Mono" charset="0"/>
-                <a:cs typeface="Andale Mono" charset="0"/>
-              </a:rPr>
-              <a:t> void </a:t>
-            </a:r>
-            <a:r>
-              <a:rPr lang="en-US" dirty="0" err="1" smtClean="0">
-                <a:latin typeface="Andale Mono" charset="0"/>
-                <a:ea typeface="Andale Mono" charset="0"/>
-                <a:cs typeface="Andale Mono" charset="0"/>
-              </a:rPr>
-              <a:t>MPI_Errhandler_function</a:t>
-            </a:r>
-            <a:r>
-              <a:rPr lang="en-US" dirty="0" smtClean="0">
-                <a:latin typeface="Andale Mono" charset="0"/>
-                <a:ea typeface="Andale Mono" charset="0"/>
-                <a:cs typeface="Andale Mono" charset="0"/>
-              </a:rPr>
-              <a:t>(</a:t>
-            </a:r>
-            <a:endParaRPr lang="en-US" dirty="0">
-              <a:latin typeface="Andale Mono" charset="0"/>
-              <a:ea typeface="Andale Mono" charset="0"/>
-              <a:cs typeface="Andale Mono" charset="0"/>
-            </a:endParaRPr>
-          </a:p>
-          <a:p>
-            <a:pPr marL="0" indent="0">
-              <a:buNone/>
-            </a:pPr>
-            <a:r>
-              <a:rPr lang="en-US" dirty="0" smtClean="0">
-                <a:latin typeface="Andale Mono" charset="0"/>
-                <a:ea typeface="Andale Mono" charset="0"/>
-                <a:cs typeface="Andale Mono" charset="0"/>
-              </a:rPr>
-              <a:t>	(IN)		void *		objects,</a:t>
-            </a:r>
-            <a:endParaRPr lang="en-US" dirty="0">
-              <a:latin typeface="Andale Mono" charset="0"/>
-              <a:ea typeface="Andale Mono" charset="0"/>
-              <a:cs typeface="Andale Mono" charset="0"/>
-            </a:endParaRPr>
-          </a:p>
-          <a:p>
-            <a:pPr marL="0" indent="0">
-              <a:buNone/>
-            </a:pPr>
-            <a:r>
-              <a:rPr lang="en-US" dirty="0" smtClean="0">
-                <a:latin typeface="Andale Mono" charset="0"/>
-                <a:ea typeface="Andale Mono" charset="0"/>
-                <a:cs typeface="Andale Mono" charset="0"/>
-              </a:rPr>
-              <a:t>	(IN)		</a:t>
-            </a:r>
-            <a:r>
-              <a:rPr lang="en-US" dirty="0" err="1" smtClean="0">
-                <a:latin typeface="Andale Mono" charset="0"/>
-                <a:ea typeface="Andale Mono" charset="0"/>
-                <a:cs typeface="Andale Mono" charset="0"/>
-              </a:rPr>
-              <a:t>int</a:t>
-            </a:r>
-            <a:r>
-              <a:rPr lang="en-US" dirty="0" smtClean="0">
-                <a:latin typeface="Andale Mono" charset="0"/>
-                <a:ea typeface="Andale Mono" charset="0"/>
-                <a:cs typeface="Andale Mono" charset="0"/>
-              </a:rPr>
-              <a:t>			</a:t>
-            </a:r>
-            <a:r>
-              <a:rPr lang="en-US" dirty="0" err="1" smtClean="0">
-                <a:latin typeface="Andale Mono" charset="0"/>
-                <a:ea typeface="Andale Mono" charset="0"/>
-                <a:cs typeface="Andale Mono" charset="0"/>
-              </a:rPr>
-              <a:t>num_objects</a:t>
-            </a:r>
-            <a:r>
-              <a:rPr lang="en-US" dirty="0" smtClean="0">
-                <a:latin typeface="Andale Mono" charset="0"/>
-                <a:ea typeface="Andale Mono" charset="0"/>
-                <a:cs typeface="Andale Mono" charset="0"/>
-              </a:rPr>
-              <a:t>,</a:t>
-            </a:r>
-            <a:endParaRPr lang="en-US" dirty="0">
-              <a:latin typeface="Andale Mono" charset="0"/>
-              <a:ea typeface="Andale Mono" charset="0"/>
-              <a:cs typeface="Andale Mono" charset="0"/>
-            </a:endParaRPr>
-          </a:p>
-          <a:p>
-            <a:pPr marL="0" indent="0">
-              <a:buNone/>
-            </a:pPr>
-            <a:r>
-              <a:rPr lang="en-US" dirty="0" smtClean="0">
-                <a:latin typeface="Andale Mono" charset="0"/>
-                <a:ea typeface="Andale Mono" charset="0"/>
-                <a:cs typeface="Andale Mono" charset="0"/>
-              </a:rPr>
-              <a:t>	(IN)		</a:t>
-            </a:r>
-            <a:r>
-              <a:rPr lang="en-US" dirty="0" err="1" smtClean="0">
-                <a:latin typeface="Andale Mono" charset="0"/>
-                <a:ea typeface="Andale Mono" charset="0"/>
-                <a:cs typeface="Andale Mono" charset="0"/>
-              </a:rPr>
-              <a:t>int</a:t>
-            </a:r>
-            <a:r>
-              <a:rPr lang="en-US" dirty="0" smtClean="0">
-                <a:latin typeface="Andale Mono" charset="0"/>
-                <a:ea typeface="Andale Mono" charset="0"/>
-                <a:cs typeface="Andale Mono" charset="0"/>
-              </a:rPr>
-              <a:t>/</a:t>
-            </a:r>
-            <a:r>
-              <a:rPr lang="en-US" dirty="0" err="1" smtClean="0">
-                <a:latin typeface="Andale Mono" charset="0"/>
-                <a:ea typeface="Andale Mono" charset="0"/>
-                <a:cs typeface="Andale Mono" charset="0"/>
-              </a:rPr>
-              <a:t>enum</a:t>
-            </a:r>
-            <a:r>
-              <a:rPr lang="en-US" dirty="0" smtClean="0">
-                <a:latin typeface="Andale Mono" charset="0"/>
-                <a:ea typeface="Andale Mono" charset="0"/>
-                <a:cs typeface="Andale Mono" charset="0"/>
-              </a:rPr>
-              <a:t> 	</a:t>
-            </a:r>
-            <a:r>
-              <a:rPr lang="en-US" dirty="0" err="1" smtClean="0">
-                <a:latin typeface="Andale Mono" charset="0"/>
-                <a:ea typeface="Andale Mono" charset="0"/>
-                <a:cs typeface="Andale Mono" charset="0"/>
-              </a:rPr>
-              <a:t>object_types</a:t>
-            </a:r>
-            <a:r>
-              <a:rPr lang="en-US" dirty="0" smtClean="0">
-                <a:latin typeface="Andale Mono" charset="0"/>
-                <a:ea typeface="Andale Mono" charset="0"/>
-                <a:cs typeface="Andale Mono" charset="0"/>
-              </a:rPr>
-              <a:t>,</a:t>
-            </a:r>
-            <a:endParaRPr lang="en-US" dirty="0">
-              <a:latin typeface="Andale Mono" charset="0"/>
-              <a:ea typeface="Andale Mono" charset="0"/>
-              <a:cs typeface="Andale Mono" charset="0"/>
-            </a:endParaRPr>
-          </a:p>
-          <a:p>
-            <a:pPr marL="0" indent="0">
-              <a:buNone/>
-            </a:pPr>
-            <a:r>
-              <a:rPr lang="en-US" dirty="0" smtClean="0">
-                <a:latin typeface="Andale Mono" charset="0"/>
-                <a:ea typeface="Andale Mono" charset="0"/>
-                <a:cs typeface="Andale Mono" charset="0"/>
-              </a:rPr>
-              <a:t>	(INOUT)	</a:t>
-            </a:r>
-            <a:r>
-              <a:rPr lang="en-US" dirty="0" err="1" smtClean="0">
-                <a:latin typeface="Andale Mono" charset="0"/>
-                <a:ea typeface="Andale Mono" charset="0"/>
-                <a:cs typeface="Andale Mono" charset="0"/>
-              </a:rPr>
-              <a:t>int</a:t>
-            </a:r>
-            <a:r>
-              <a:rPr lang="en-US" dirty="0" smtClean="0">
-                <a:latin typeface="Andale Mono" charset="0"/>
-                <a:ea typeface="Andale Mono" charset="0"/>
-                <a:cs typeface="Andale Mono" charset="0"/>
-              </a:rPr>
-              <a:t> *		</a:t>
-            </a:r>
-            <a:r>
-              <a:rPr lang="en-US" dirty="0" err="1" smtClean="0">
-                <a:latin typeface="Andale Mono" charset="0"/>
-                <a:ea typeface="Andale Mono" charset="0"/>
-                <a:cs typeface="Andale Mono" charset="0"/>
-              </a:rPr>
-              <a:t>errcode</a:t>
-            </a:r>
-            <a:r>
-              <a:rPr lang="en-US" dirty="0" smtClean="0">
-                <a:latin typeface="Andale Mono" charset="0"/>
-                <a:ea typeface="Andale Mono" charset="0"/>
-                <a:cs typeface="Andale Mono" charset="0"/>
-              </a:rPr>
-              <a:t>,</a:t>
-            </a:r>
-          </a:p>
-          <a:p>
-            <a:pPr marL="0" indent="0">
-              <a:buNone/>
-            </a:pPr>
-            <a:r>
-              <a:rPr lang="en-US" dirty="0">
-                <a:latin typeface="Andale Mono" charset="0"/>
-                <a:ea typeface="Andale Mono" charset="0"/>
-                <a:cs typeface="Andale Mono" charset="0"/>
-              </a:rPr>
-              <a:t>	</a:t>
-            </a:r>
-            <a:r>
-              <a:rPr lang="en-US" dirty="0" smtClean="0">
-                <a:latin typeface="Andale Mono" charset="0"/>
-                <a:ea typeface="Andale Mono" charset="0"/>
-                <a:cs typeface="Andale Mono" charset="0"/>
-              </a:rPr>
-              <a:t>(IN) 	void	 *		context);</a:t>
-            </a:r>
-          </a:p>
-          <a:p>
-            <a:pPr marL="0" indent="0">
-              <a:buNone/>
-            </a:pPr>
-            <a:endParaRPr lang="en-US" dirty="0">
-              <a:latin typeface="Andale Mono" charset="0"/>
-              <a:ea typeface="Andale Mono" charset="0"/>
-              <a:cs typeface="Andale Mono" charset="0"/>
-            </a:endParaRPr>
-          </a:p>
-          <a:p>
-            <a:pPr marL="0" indent="0">
-              <a:buNone/>
-            </a:pPr>
-            <a:r>
-              <a:rPr lang="en-US" dirty="0" err="1" smtClean="0">
-                <a:latin typeface="Andale Mono" charset="0"/>
-                <a:ea typeface="Andale Mono" charset="0"/>
-                <a:cs typeface="Andale Mono" charset="0"/>
-              </a:rPr>
-              <a:t>int</a:t>
-            </a:r>
-            <a:r>
-              <a:rPr lang="en-US" dirty="0" smtClean="0">
-                <a:latin typeface="Andale Mono" charset="0"/>
-                <a:ea typeface="Andale Mono" charset="0"/>
-                <a:cs typeface="Andale Mono" charset="0"/>
-              </a:rPr>
-              <a:t> </a:t>
-            </a:r>
-            <a:r>
-              <a:rPr lang="en-US" dirty="0" err="1" smtClean="0">
-                <a:latin typeface="Andale Mono" charset="0"/>
-                <a:ea typeface="Andale Mono" charset="0"/>
-                <a:cs typeface="Andale Mono" charset="0"/>
-              </a:rPr>
-              <a:t>MPI_XXX_set_errhandler</a:t>
-            </a:r>
-            <a:r>
-              <a:rPr lang="en-US" dirty="0" smtClean="0">
-                <a:latin typeface="Andale Mono" charset="0"/>
-                <a:ea typeface="Andale Mono" charset="0"/>
-                <a:cs typeface="Andale Mono" charset="0"/>
-              </a:rPr>
-              <a:t>(</a:t>
-            </a:r>
-          </a:p>
-          <a:p>
-            <a:pPr marL="0" indent="0">
-              <a:buNone/>
-            </a:pPr>
-            <a:r>
-              <a:rPr lang="en-US" dirty="0">
-                <a:latin typeface="Andale Mono" charset="0"/>
-                <a:ea typeface="Andale Mono" charset="0"/>
-                <a:cs typeface="Andale Mono" charset="0"/>
-              </a:rPr>
-              <a:t>	</a:t>
-            </a:r>
-            <a:r>
-              <a:rPr lang="en-US" dirty="0" smtClean="0">
-                <a:latin typeface="Andale Mono" charset="0"/>
-                <a:ea typeface="Andale Mono" charset="0"/>
-                <a:cs typeface="Andale Mono" charset="0"/>
-              </a:rPr>
-              <a:t>(IN)		MPI_XXX		 object,</a:t>
-            </a:r>
-          </a:p>
-          <a:p>
-            <a:pPr marL="0" indent="0">
-              <a:buNone/>
-            </a:pPr>
-            <a:r>
-              <a:rPr lang="en-US" dirty="0">
-                <a:latin typeface="Andale Mono" charset="0"/>
-                <a:ea typeface="Andale Mono" charset="0"/>
-                <a:cs typeface="Andale Mono" charset="0"/>
-              </a:rPr>
-              <a:t>	</a:t>
-            </a:r>
-            <a:r>
-              <a:rPr lang="en-US" dirty="0" smtClean="0">
-                <a:latin typeface="Andale Mono" charset="0"/>
-                <a:ea typeface="Andale Mono" charset="0"/>
-                <a:cs typeface="Andale Mono" charset="0"/>
-              </a:rPr>
-              <a:t>(IN)		</a:t>
-            </a:r>
-            <a:r>
-              <a:rPr lang="en-US" dirty="0" err="1" smtClean="0">
-                <a:latin typeface="Andale Mono" charset="0"/>
-                <a:ea typeface="Andale Mono" charset="0"/>
-                <a:cs typeface="Andale Mono" charset="0"/>
-              </a:rPr>
-              <a:t>int</a:t>
-            </a:r>
-            <a:r>
-              <a:rPr lang="en-US" dirty="0" smtClean="0">
-                <a:latin typeface="Andale Mono" charset="0"/>
-                <a:ea typeface="Andale Mono" charset="0"/>
-                <a:cs typeface="Andale Mono" charset="0"/>
-              </a:rPr>
-              <a:t> *		 </a:t>
-            </a:r>
-            <a:r>
-              <a:rPr lang="en-US" dirty="0" err="1" smtClean="0">
-                <a:latin typeface="Andale Mono" charset="0"/>
-                <a:ea typeface="Andale Mono" charset="0"/>
-                <a:cs typeface="Andale Mono" charset="0"/>
-              </a:rPr>
-              <a:t>error_classes</a:t>
-            </a:r>
-            <a:r>
-              <a:rPr lang="en-US" dirty="0" smtClean="0">
-                <a:latin typeface="Andale Mono" charset="0"/>
-                <a:ea typeface="Andale Mono" charset="0"/>
-                <a:cs typeface="Andale Mono" charset="0"/>
-              </a:rPr>
-              <a:t>,</a:t>
-            </a:r>
-          </a:p>
-          <a:p>
-            <a:pPr marL="0" indent="0">
-              <a:buNone/>
-            </a:pPr>
-            <a:r>
-              <a:rPr lang="en-US" dirty="0">
-                <a:latin typeface="Andale Mono" charset="0"/>
-                <a:ea typeface="Andale Mono" charset="0"/>
-                <a:cs typeface="Andale Mono" charset="0"/>
-              </a:rPr>
-              <a:t>	</a:t>
-            </a:r>
-            <a:r>
-              <a:rPr lang="en-US" dirty="0" smtClean="0">
-                <a:latin typeface="Andale Mono" charset="0"/>
-                <a:ea typeface="Andale Mono" charset="0"/>
-                <a:cs typeface="Andale Mono" charset="0"/>
-              </a:rPr>
-              <a:t>(IN)		</a:t>
-            </a:r>
-            <a:r>
-              <a:rPr lang="en-US" dirty="0" err="1" smtClean="0">
-                <a:latin typeface="Andale Mono" charset="0"/>
-                <a:ea typeface="Andale Mono" charset="0"/>
-                <a:cs typeface="Andale Mono" charset="0"/>
-              </a:rPr>
-              <a:t>int</a:t>
-            </a:r>
-            <a:r>
-              <a:rPr lang="en-US" dirty="0" smtClean="0">
-                <a:latin typeface="Andale Mono" charset="0"/>
-                <a:ea typeface="Andale Mono" charset="0"/>
-                <a:cs typeface="Andale Mono" charset="0"/>
-              </a:rPr>
-              <a:t>			 </a:t>
-            </a:r>
-            <a:r>
-              <a:rPr lang="en-US" dirty="0" err="1" smtClean="0">
-                <a:latin typeface="Andale Mono" charset="0"/>
-                <a:ea typeface="Andale Mono" charset="0"/>
-                <a:cs typeface="Andale Mono" charset="0"/>
-              </a:rPr>
-              <a:t>num_error_classes</a:t>
-            </a:r>
-            <a:r>
-              <a:rPr lang="en-US" dirty="0" smtClean="0">
-                <a:latin typeface="Andale Mono" charset="0"/>
-                <a:ea typeface="Andale Mono" charset="0"/>
-                <a:cs typeface="Andale Mono" charset="0"/>
-              </a:rPr>
-              <a:t>,</a:t>
-            </a:r>
-          </a:p>
-          <a:p>
-            <a:pPr marL="0" indent="0">
-              <a:buNone/>
-            </a:pPr>
-            <a:r>
-              <a:rPr lang="en-US" dirty="0">
-                <a:latin typeface="Andale Mono" charset="0"/>
-                <a:ea typeface="Andale Mono" charset="0"/>
-                <a:cs typeface="Andale Mono" charset="0"/>
-              </a:rPr>
-              <a:t>	</a:t>
-            </a:r>
-            <a:r>
-              <a:rPr lang="en-US" dirty="0" smtClean="0">
-                <a:latin typeface="Andale Mono" charset="0"/>
-                <a:ea typeface="Andale Mono" charset="0"/>
-                <a:cs typeface="Andale Mono" charset="0"/>
-              </a:rPr>
-              <a:t>(IN)		</a:t>
-            </a:r>
-            <a:r>
-              <a:rPr lang="en-US" dirty="0" err="1" smtClean="0">
-                <a:latin typeface="Andale Mono" charset="0"/>
-                <a:ea typeface="Andale Mono" charset="0"/>
-                <a:cs typeface="Andale Mono" charset="0"/>
-              </a:rPr>
-              <a:t>MPI_Errhandler</a:t>
-            </a:r>
-            <a:r>
-              <a:rPr lang="en-US" dirty="0" smtClean="0">
-                <a:latin typeface="Andale Mono" charset="0"/>
-                <a:ea typeface="Andale Mono" charset="0"/>
-                <a:cs typeface="Andale Mono" charset="0"/>
-              </a:rPr>
-              <a:t> </a:t>
-            </a:r>
-            <a:r>
-              <a:rPr lang="en-US" dirty="0" err="1" smtClean="0">
-                <a:latin typeface="Andale Mono" charset="0"/>
-                <a:ea typeface="Andale Mono" charset="0"/>
-                <a:cs typeface="Andale Mono" charset="0"/>
-              </a:rPr>
-              <a:t>errhandler</a:t>
-            </a:r>
-            <a:r>
-              <a:rPr lang="en-US" dirty="0" smtClean="0">
-                <a:latin typeface="Andale Mono" charset="0"/>
-                <a:ea typeface="Andale Mono" charset="0"/>
-                <a:cs typeface="Andale Mono" charset="0"/>
-              </a:rPr>
-              <a:t>);</a:t>
-            </a:r>
           </a:p>
         </p:txBody>
       </p:sp>
     </p:spTree>
     <p:extLst>
       <p:ext uri="{BB962C8B-B14F-4D97-AF65-F5344CB8AC3E}">
-        <p14:creationId xmlns:p14="http://schemas.microsoft.com/office/powerpoint/2010/main" val="1529965212"/>
+        <p14:creationId xmlns:p14="http://schemas.microsoft.com/office/powerpoint/2010/main" val="1003203628"/>
       </p:ext>
     </p:extLst>
   </p:cSld>
